--- a/Presentation.pptx
+++ b/Presentation.pptx
@@ -28,16 +28,17 @@
     <p:sldId id="273" r:id="rId23"/>
     <p:sldId id="274" r:id="rId24"/>
     <p:sldId id="275" r:id="rId25"/>
+    <p:sldId id="276" r:id="rId26"/>
   </p:sldIdLst>
   <p:sldSz cy="5143500" cx="9144000"/>
   <p:notesSz cx="6858000" cy="9144000"/>
   <p:embeddedFontLst>
     <p:embeddedFont>
       <p:font typeface="Roboto"/>
-      <p:regular r:id="rId26"/>
-      <p:bold r:id="rId27"/>
-      <p:italic r:id="rId28"/>
-      <p:boldItalic r:id="rId29"/>
+      <p:regular r:id="rId27"/>
+      <p:bold r:id="rId28"/>
+      <p:italic r:id="rId29"/>
+      <p:boldItalic r:id="rId30"/>
     </p:embeddedFont>
   </p:embeddedFontLst>
   <p:defaultTextStyle>
@@ -818,7 +819,7 @@
   <p:cSld>
     <p:spTree>
       <p:nvGrpSpPr>
-        <p:cNvPr id="146" name="Shape 146"/>
+        <p:cNvPr id="149" name="Shape 149"/>
         <p:cNvGrpSpPr/>
         <p:nvPr/>
       </p:nvGrpSpPr>
@@ -832,7 +833,7 @@
       </p:grpSpPr>
       <p:sp>
         <p:nvSpPr>
-          <p:cNvPr id="147" name="Google Shape;147;g213b0baaea5_0_1:notes"/>
+          <p:cNvPr id="150" name="Google Shape;150;g2125442377f_0_15:notes"/>
           <p:cNvSpPr/>
           <p:nvPr>
             <p:ph idx="2" type="sldImg"/>
@@ -867,7 +868,7 @@
       </p:sp>
       <p:sp>
         <p:nvSpPr>
-          <p:cNvPr id="148" name="Google Shape;148;g213b0baaea5_0_1:notes"/>
+          <p:cNvPr id="151" name="Google Shape;151;g2125442377f_0_15:notes"/>
           <p:cNvSpPr txBox="1"/>
           <p:nvPr>
             <p:ph idx="1" type="body"/>
@@ -917,7 +918,7 @@
   <p:cSld>
     <p:spTree>
       <p:nvGrpSpPr>
-        <p:cNvPr id="151" name="Shape 151"/>
+        <p:cNvPr id="155" name="Shape 155"/>
         <p:cNvGrpSpPr/>
         <p:nvPr/>
       </p:nvGrpSpPr>
@@ -931,7 +932,7 @@
       </p:grpSpPr>
       <p:sp>
         <p:nvSpPr>
-          <p:cNvPr id="152" name="Google Shape;152;g213b0baaea5_0_7:notes"/>
+          <p:cNvPr id="156" name="Google Shape;156;g213b0baaea5_0_1:notes"/>
           <p:cNvSpPr/>
           <p:nvPr>
             <p:ph idx="2" type="sldImg"/>
@@ -966,7 +967,7 @@
       </p:sp>
       <p:sp>
         <p:nvSpPr>
-          <p:cNvPr id="153" name="Google Shape;153;g213b0baaea5_0_7:notes"/>
+          <p:cNvPr id="157" name="Google Shape;157;g213b0baaea5_0_1:notes"/>
           <p:cNvSpPr txBox="1"/>
           <p:nvPr>
             <p:ph idx="1" type="body"/>
@@ -1016,7 +1017,7 @@
   <p:cSld>
     <p:spTree>
       <p:nvGrpSpPr>
-        <p:cNvPr id="156" name="Shape 156"/>
+        <p:cNvPr id="160" name="Shape 160"/>
         <p:cNvGrpSpPr/>
         <p:nvPr/>
       </p:nvGrpSpPr>
@@ -1030,7 +1031,7 @@
       </p:grpSpPr>
       <p:sp>
         <p:nvSpPr>
-          <p:cNvPr id="157" name="Google Shape;157;g213b0baaea5_0_15:notes"/>
+          <p:cNvPr id="161" name="Google Shape;161;g213b0baaea5_0_7:notes"/>
           <p:cNvSpPr/>
           <p:nvPr>
             <p:ph idx="2" type="sldImg"/>
@@ -1065,7 +1066,7 @@
       </p:sp>
       <p:sp>
         <p:nvSpPr>
-          <p:cNvPr id="158" name="Google Shape;158;g213b0baaea5_0_15:notes"/>
+          <p:cNvPr id="162" name="Google Shape;162;g213b0baaea5_0_7:notes"/>
           <p:cNvSpPr txBox="1"/>
           <p:nvPr>
             <p:ph idx="1" type="body"/>
@@ -1115,7 +1116,7 @@
   <p:cSld>
     <p:spTree>
       <p:nvGrpSpPr>
-        <p:cNvPr id="161" name="Shape 161"/>
+        <p:cNvPr id="165" name="Shape 165"/>
         <p:cNvGrpSpPr/>
         <p:nvPr/>
       </p:nvGrpSpPr>
@@ -1129,7 +1130,7 @@
       </p:grpSpPr>
       <p:sp>
         <p:nvSpPr>
-          <p:cNvPr id="162" name="Google Shape;162;g213b0baaea5_0_21:notes"/>
+          <p:cNvPr id="166" name="Google Shape;166;g213b0baaea5_0_15:notes"/>
           <p:cNvSpPr/>
           <p:nvPr>
             <p:ph idx="2" type="sldImg"/>
@@ -1164,7 +1165,7 @@
       </p:sp>
       <p:sp>
         <p:nvSpPr>
-          <p:cNvPr id="163" name="Google Shape;163;g213b0baaea5_0_21:notes"/>
+          <p:cNvPr id="167" name="Google Shape;167;g213b0baaea5_0_15:notes"/>
           <p:cNvSpPr txBox="1"/>
           <p:nvPr>
             <p:ph idx="1" type="body"/>
@@ -1214,7 +1215,7 @@
   <p:cSld>
     <p:spTree>
       <p:nvGrpSpPr>
-        <p:cNvPr id="166" name="Shape 166"/>
+        <p:cNvPr id="170" name="Shape 170"/>
         <p:cNvGrpSpPr/>
         <p:nvPr/>
       </p:nvGrpSpPr>
@@ -1228,7 +1229,7 @@
       </p:grpSpPr>
       <p:sp>
         <p:nvSpPr>
-          <p:cNvPr id="167" name="Google Shape;167;g213b0baaea5_0_27:notes"/>
+          <p:cNvPr id="171" name="Google Shape;171;g213b0baaea5_0_21:notes"/>
           <p:cNvSpPr/>
           <p:nvPr>
             <p:ph idx="2" type="sldImg"/>
@@ -1263,7 +1264,7 @@
       </p:sp>
       <p:sp>
         <p:nvSpPr>
-          <p:cNvPr id="168" name="Google Shape;168;g213b0baaea5_0_27:notes"/>
+          <p:cNvPr id="172" name="Google Shape;172;g213b0baaea5_0_21:notes"/>
           <p:cNvSpPr txBox="1"/>
           <p:nvPr>
             <p:ph idx="1" type="body"/>
@@ -1313,7 +1314,7 @@
   <p:cSld>
     <p:spTree>
       <p:nvGrpSpPr>
-        <p:cNvPr id="171" name="Shape 171"/>
+        <p:cNvPr id="175" name="Shape 175"/>
         <p:cNvGrpSpPr/>
         <p:nvPr/>
       </p:nvGrpSpPr>
@@ -1327,7 +1328,7 @@
       </p:grpSpPr>
       <p:sp>
         <p:nvSpPr>
-          <p:cNvPr id="172" name="Google Shape;172;g213b0baaea5_0_33:notes"/>
+          <p:cNvPr id="176" name="Google Shape;176;g213b0baaea5_0_27:notes"/>
           <p:cNvSpPr/>
           <p:nvPr>
             <p:ph idx="2" type="sldImg"/>
@@ -1362,7 +1363,7 @@
       </p:sp>
       <p:sp>
         <p:nvSpPr>
-          <p:cNvPr id="173" name="Google Shape;173;g213b0baaea5_0_33:notes"/>
+          <p:cNvPr id="177" name="Google Shape;177;g213b0baaea5_0_27:notes"/>
           <p:cNvSpPr txBox="1"/>
           <p:nvPr>
             <p:ph idx="1" type="body"/>
@@ -1412,7 +1413,7 @@
   <p:cSld>
     <p:spTree>
       <p:nvGrpSpPr>
-        <p:cNvPr id="183" name="Shape 183"/>
+        <p:cNvPr id="180" name="Shape 180"/>
         <p:cNvGrpSpPr/>
         <p:nvPr/>
       </p:nvGrpSpPr>
@@ -1426,7 +1427,7 @@
       </p:grpSpPr>
       <p:sp>
         <p:nvSpPr>
-          <p:cNvPr id="184" name="Google Shape;184;g21346d457b4_2_0:notes"/>
+          <p:cNvPr id="181" name="Google Shape;181;g213b0baaea5_0_33:notes"/>
           <p:cNvSpPr/>
           <p:nvPr>
             <p:ph idx="2" type="sldImg"/>
@@ -1461,7 +1462,7 @@
       </p:sp>
       <p:sp>
         <p:nvSpPr>
-          <p:cNvPr id="185" name="Google Shape;185;g21346d457b4_2_0:notes"/>
+          <p:cNvPr id="182" name="Google Shape;182;g213b0baaea5_0_33:notes"/>
           <p:cNvSpPr txBox="1"/>
           <p:nvPr>
             <p:ph idx="1" type="body"/>
@@ -1511,7 +1512,7 @@
   <p:cSld>
     <p:spTree>
       <p:nvGrpSpPr>
-        <p:cNvPr id="190" name="Shape 190"/>
+        <p:cNvPr id="192" name="Shape 192"/>
         <p:cNvGrpSpPr/>
         <p:nvPr/>
       </p:nvGrpSpPr>
@@ -1525,7 +1526,7 @@
       </p:grpSpPr>
       <p:sp>
         <p:nvSpPr>
-          <p:cNvPr id="191" name="Google Shape;191;g21346d457b4_2_12:notes"/>
+          <p:cNvPr id="193" name="Google Shape;193;g21346d457b4_2_0:notes"/>
           <p:cNvSpPr/>
           <p:nvPr>
             <p:ph idx="2" type="sldImg"/>
@@ -1560,7 +1561,7 @@
       </p:sp>
       <p:sp>
         <p:nvSpPr>
-          <p:cNvPr id="192" name="Google Shape;192;g21346d457b4_2_12:notes"/>
+          <p:cNvPr id="194" name="Google Shape;194;g21346d457b4_2_0:notes"/>
           <p:cNvSpPr txBox="1"/>
           <p:nvPr>
             <p:ph idx="1" type="body"/>
@@ -1610,7 +1611,7 @@
   <p:cSld>
     <p:spTree>
       <p:nvGrpSpPr>
-        <p:cNvPr id="209" name="Shape 209"/>
+        <p:cNvPr id="199" name="Shape 199"/>
         <p:cNvGrpSpPr/>
         <p:nvPr/>
       </p:nvGrpSpPr>
@@ -1624,7 +1625,7 @@
       </p:grpSpPr>
       <p:sp>
         <p:nvSpPr>
-          <p:cNvPr id="210" name="Google Shape;210;g21346d457b4_2_5:notes"/>
+          <p:cNvPr id="200" name="Google Shape;200;g21346d457b4_2_12:notes"/>
           <p:cNvSpPr/>
           <p:nvPr>
             <p:ph idx="2" type="sldImg"/>
@@ -1659,7 +1660,7 @@
       </p:sp>
       <p:sp>
         <p:nvSpPr>
-          <p:cNvPr id="211" name="Google Shape;211;g21346d457b4_2_5:notes"/>
+          <p:cNvPr id="201" name="Google Shape;201;g21346d457b4_2_12:notes"/>
           <p:cNvSpPr txBox="1"/>
           <p:nvPr>
             <p:ph idx="1" type="body"/>
@@ -1709,7 +1710,7 @@
   <p:cSld>
     <p:spTree>
       <p:nvGrpSpPr>
-        <p:cNvPr id="215" name="Shape 215"/>
+        <p:cNvPr id="218" name="Shape 218"/>
         <p:cNvGrpSpPr/>
         <p:nvPr/>
       </p:nvGrpSpPr>
@@ -1723,7 +1724,7 @@
       </p:grpSpPr>
       <p:sp>
         <p:nvSpPr>
-          <p:cNvPr id="216" name="Google Shape;216;g2125442377f_0_5:notes"/>
+          <p:cNvPr id="219" name="Google Shape;219;g21346d457b4_2_5:notes"/>
           <p:cNvSpPr/>
           <p:nvPr>
             <p:ph idx="2" type="sldImg"/>
@@ -1758,7 +1759,7 @@
       </p:sp>
       <p:sp>
         <p:nvSpPr>
-          <p:cNvPr id="217" name="Google Shape;217;g2125442377f_0_5:notes"/>
+          <p:cNvPr id="220" name="Google Shape;220;g21346d457b4_2_5:notes"/>
           <p:cNvSpPr txBox="1"/>
           <p:nvPr>
             <p:ph idx="1" type="body"/>
@@ -1789,8 +1790,7 @@
               <a:buNone/>
             </a:pPr>
             <a:r>
-              <a:rPr lang="en-GB"/>
-              <a:t>Gabe</a:t>
+              <a:t/>
             </a:r>
             <a:endParaRPr/>
           </a:p>
@@ -1809,7 +1809,7 @@
   <p:cSld>
     <p:spTree>
       <p:nvGrpSpPr>
-        <p:cNvPr id="87" name="Shape 87"/>
+        <p:cNvPr id="88" name="Shape 88"/>
         <p:cNvGrpSpPr/>
         <p:nvPr/>
       </p:nvGrpSpPr>
@@ -1823,7 +1823,7 @@
       </p:grpSpPr>
       <p:sp>
         <p:nvSpPr>
-          <p:cNvPr id="88" name="Google Shape;88;g2124d7d962d_0_125:notes"/>
+          <p:cNvPr id="89" name="Google Shape;89;g2124d7d962d_0_125:notes"/>
           <p:cNvSpPr/>
           <p:nvPr>
             <p:ph idx="2" type="sldImg"/>
@@ -1858,7 +1858,7 @@
       </p:sp>
       <p:sp>
         <p:nvSpPr>
-          <p:cNvPr id="89" name="Google Shape;89;g2124d7d962d_0_125:notes"/>
+          <p:cNvPr id="90" name="Google Shape;90;g2124d7d962d_0_125:notes"/>
           <p:cNvSpPr txBox="1"/>
           <p:nvPr>
             <p:ph idx="1" type="body"/>
@@ -1909,7 +1909,7 @@
   <p:cSld>
     <p:spTree>
       <p:nvGrpSpPr>
-        <p:cNvPr id="221" name="Shape 221"/>
+        <p:cNvPr id="224" name="Shape 224"/>
         <p:cNvGrpSpPr/>
         <p:nvPr/>
       </p:nvGrpSpPr>
@@ -1923,7 +1923,7 @@
       </p:grpSpPr>
       <p:sp>
         <p:nvSpPr>
-          <p:cNvPr id="222" name="Google Shape;222;g2125442377f_0_10:notes"/>
+          <p:cNvPr id="225" name="Google Shape;225;g2125442377f_0_5:notes"/>
           <p:cNvSpPr/>
           <p:nvPr>
             <p:ph idx="2" type="sldImg"/>
@@ -1958,7 +1958,107 @@
       </p:sp>
       <p:sp>
         <p:nvSpPr>
-          <p:cNvPr id="223" name="Google Shape;223;g2125442377f_0_10:notes"/>
+          <p:cNvPr id="226" name="Google Shape;226;g2125442377f_0_5:notes"/>
+          <p:cNvSpPr txBox="1"/>
+          <p:nvPr>
+            <p:ph idx="1" type="body"/>
+          </p:nvPr>
+        </p:nvSpPr>
+        <p:spPr>
+          <a:xfrm>
+            <a:off x="685800" y="4343400"/>
+            <a:ext cx="5486400" cy="4114800"/>
+          </a:xfrm>
+          <a:prstGeom prst="rect">
+            <a:avLst/>
+          </a:prstGeom>
+        </p:spPr>
+        <p:txBody>
+          <a:bodyPr anchorCtr="0" anchor="t" bIns="91425" lIns="91425" spcFirstLastPara="1" rIns="91425" wrap="square" tIns="91425">
+            <a:noAutofit/>
+          </a:bodyPr>
+          <a:lstStyle/>
+          <a:p>
+            <a:pPr indent="0" lvl="0" marL="0" rtl="0" algn="l">
+              <a:spcBef>
+                <a:spcPts val="0"/>
+              </a:spcBef>
+              <a:spcAft>
+                <a:spcPts val="0"/>
+              </a:spcAft>
+              <a:buNone/>
+            </a:pPr>
+            <a:r>
+              <a:rPr lang="en-GB"/>
+              <a:t>Gabe</a:t>
+            </a:r>
+            <a:endParaRPr/>
+          </a:p>
+        </p:txBody>
+      </p:sp>
+    </p:spTree>
+  </p:cSld>
+  <p:clrMapOvr>
+    <a:masterClrMapping/>
+  </p:clrMapOvr>
+</p:notes>
+</file>
+
+<file path=ppt/notesSlides/notesSlide21.xml><?xml version="1.0" encoding="utf-8"?>
+<p:notes xmlns:a="http://schemas.openxmlformats.org/drawingml/2006/main" xmlns:r="http://schemas.openxmlformats.org/officeDocument/2006/relationships" xmlns:mc="http://schemas.openxmlformats.org/markup-compatibility/2006" xmlns:mv="urn:schemas-microsoft-com:mac:vml" xmlns:p="http://schemas.openxmlformats.org/presentationml/2006/main" xmlns:c="http://schemas.openxmlformats.org/drawingml/2006/chart" xmlns:dgm="http://schemas.openxmlformats.org/drawingml/2006/diagram" xmlns:o="urn:schemas-microsoft-com:office:office" xmlns:v="urn:schemas-microsoft-com:vml" xmlns:pvml="urn:schemas-microsoft-com:office:powerpoint" xmlns:com="http://schemas.openxmlformats.org/drawingml/2006/compatibility" xmlns:p14="http://schemas.microsoft.com/office/powerpoint/2010/main" xmlns:p15="http://schemas.microsoft.com/office/powerpoint/2012/main" xmlns:ahyp="http://schemas.microsoft.com/office/drawing/2018/hyperlinkcolor" showMasterPhAnim="0" showMasterSp="0">
+  <p:cSld>
+    <p:spTree>
+      <p:nvGrpSpPr>
+        <p:cNvPr id="230" name="Shape 230"/>
+        <p:cNvGrpSpPr/>
+        <p:nvPr/>
+      </p:nvGrpSpPr>
+      <p:grpSpPr>
+        <a:xfrm>
+          <a:off x="0" y="0"/>
+          <a:ext cx="0" cy="0"/>
+          <a:chOff x="0" y="0"/>
+          <a:chExt cx="0" cy="0"/>
+        </a:xfrm>
+      </p:grpSpPr>
+      <p:sp>
+        <p:nvSpPr>
+          <p:cNvPr id="231" name="Google Shape;231;g2125442377f_0_10:notes"/>
+          <p:cNvSpPr/>
+          <p:nvPr>
+            <p:ph idx="2" type="sldImg"/>
+          </p:nvPr>
+        </p:nvSpPr>
+        <p:spPr>
+          <a:xfrm>
+            <a:off x="381300" y="685800"/>
+            <a:ext cx="6096000" cy="3429000"/>
+          </a:xfrm>
+          <a:custGeom>
+            <a:rect b="b" l="l" r="r" t="t"/>
+            <a:pathLst>
+              <a:path extrusionOk="0" h="120000" w="120000">
+                <a:moveTo>
+                  <a:pt x="0" y="0"/>
+                </a:moveTo>
+                <a:lnTo>
+                  <a:pt x="120000" y="0"/>
+                </a:lnTo>
+                <a:lnTo>
+                  <a:pt x="120000" y="120000"/>
+                </a:lnTo>
+                <a:lnTo>
+                  <a:pt x="0" y="120000"/>
+                </a:lnTo>
+                <a:close/>
+              </a:path>
+            </a:pathLst>
+          </a:custGeom>
+        </p:spPr>
+      </p:sp>
+      <p:sp>
+        <p:nvSpPr>
+          <p:cNvPr id="232" name="Google Shape;232;g2125442377f_0_10:notes"/>
           <p:cNvSpPr txBox="1"/>
           <p:nvPr>
             <p:ph idx="1" type="body"/>
@@ -2008,7 +2108,7 @@
   <p:cSld>
     <p:spTree>
       <p:nvGrpSpPr>
-        <p:cNvPr id="93" name="Shape 93"/>
+        <p:cNvPr id="94" name="Shape 94"/>
         <p:cNvGrpSpPr/>
         <p:nvPr/>
       </p:nvGrpSpPr>
@@ -2022,7 +2122,7 @@
       </p:grpSpPr>
       <p:sp>
         <p:nvSpPr>
-          <p:cNvPr id="94" name="Google Shape;94;g213b0babe39_0_0:notes"/>
+          <p:cNvPr id="95" name="Google Shape;95;g213b0babe39_0_0:notes"/>
           <p:cNvSpPr/>
           <p:nvPr>
             <p:ph idx="2" type="sldImg"/>
@@ -2057,7 +2157,7 @@
       </p:sp>
       <p:sp>
         <p:nvSpPr>
-          <p:cNvPr id="95" name="Google Shape;95;g213b0babe39_0_0:notes"/>
+          <p:cNvPr id="96" name="Google Shape;96;g213b0babe39_0_0:notes"/>
           <p:cNvSpPr txBox="1"/>
           <p:nvPr>
             <p:ph idx="1" type="body"/>
@@ -2107,7 +2207,7 @@
   <p:cSld>
     <p:spTree>
       <p:nvGrpSpPr>
-        <p:cNvPr id="103" name="Shape 103"/>
+        <p:cNvPr id="104" name="Shape 104"/>
         <p:cNvGrpSpPr/>
         <p:nvPr/>
       </p:nvGrpSpPr>
@@ -2121,7 +2221,7 @@
       </p:grpSpPr>
       <p:sp>
         <p:nvSpPr>
-          <p:cNvPr id="104" name="Google Shape;104;g21346d457b4_0_0:notes"/>
+          <p:cNvPr id="105" name="Google Shape;105;g21346d457b4_0_0:notes"/>
           <p:cNvSpPr/>
           <p:nvPr>
             <p:ph idx="2" type="sldImg"/>
@@ -2156,7 +2256,7 @@
       </p:sp>
       <p:sp>
         <p:nvSpPr>
-          <p:cNvPr id="105" name="Google Shape;105;g21346d457b4_0_0:notes"/>
+          <p:cNvPr id="106" name="Google Shape;106;g21346d457b4_0_0:notes"/>
           <p:cNvSpPr txBox="1"/>
           <p:nvPr>
             <p:ph idx="1" type="body"/>
@@ -2206,7 +2306,7 @@
   <p:cSld>
     <p:spTree>
       <p:nvGrpSpPr>
-        <p:cNvPr id="110" name="Shape 110"/>
+        <p:cNvPr id="111" name="Shape 111"/>
         <p:cNvGrpSpPr/>
         <p:nvPr/>
       </p:nvGrpSpPr>
@@ -2220,7 +2320,7 @@
       </p:grpSpPr>
       <p:sp>
         <p:nvSpPr>
-          <p:cNvPr id="111" name="Google Shape;111;g21404b51bcc_0_4:notes"/>
+          <p:cNvPr id="112" name="Google Shape;112;g21404b51bcc_0_4:notes"/>
           <p:cNvSpPr/>
           <p:nvPr>
             <p:ph idx="2" type="sldImg"/>
@@ -2255,7 +2355,7 @@
       </p:sp>
       <p:sp>
         <p:nvSpPr>
-          <p:cNvPr id="112" name="Google Shape;112;g21404b51bcc_0_4:notes"/>
+          <p:cNvPr id="113" name="Google Shape;113;g21404b51bcc_0_4:notes"/>
           <p:cNvSpPr txBox="1"/>
           <p:nvPr>
             <p:ph idx="1" type="body"/>
@@ -2305,7 +2405,7 @@
   <p:cSld>
     <p:spTree>
       <p:nvGrpSpPr>
-        <p:cNvPr id="116" name="Shape 116"/>
+        <p:cNvPr id="117" name="Shape 117"/>
         <p:cNvGrpSpPr/>
         <p:nvPr/>
       </p:nvGrpSpPr>
@@ -2319,7 +2419,7 @@
       </p:grpSpPr>
       <p:sp>
         <p:nvSpPr>
-          <p:cNvPr id="117" name="Google Shape;117;g1ddb3b61bc6_1_3:notes"/>
+          <p:cNvPr id="118" name="Google Shape;118;g1ddb3b61bc6_1_3:notes"/>
           <p:cNvSpPr/>
           <p:nvPr>
             <p:ph idx="2" type="sldImg"/>
@@ -2354,7 +2454,7 @@
       </p:sp>
       <p:sp>
         <p:nvSpPr>
-          <p:cNvPr id="118" name="Google Shape;118;g1ddb3b61bc6_1_3:notes"/>
+          <p:cNvPr id="119" name="Google Shape;119;g1ddb3b61bc6_1_3:notes"/>
           <p:cNvSpPr txBox="1"/>
           <p:nvPr>
             <p:ph idx="1" type="body"/>
@@ -2404,7 +2504,7 @@
   <p:cSld>
     <p:spTree>
       <p:nvGrpSpPr>
-        <p:cNvPr id="124" name="Shape 124"/>
+        <p:cNvPr id="125" name="Shape 125"/>
         <p:cNvGrpSpPr/>
         <p:nvPr/>
       </p:nvGrpSpPr>
@@ -2418,7 +2518,7 @@
       </p:grpSpPr>
       <p:sp>
         <p:nvSpPr>
-          <p:cNvPr id="125" name="Google Shape;125;g21346d457b4_0_8:notes"/>
+          <p:cNvPr id="126" name="Google Shape;126;g21346d457b4_0_8:notes"/>
           <p:cNvSpPr/>
           <p:nvPr>
             <p:ph idx="2" type="sldImg"/>
@@ -2453,7 +2553,7 @@
       </p:sp>
       <p:sp>
         <p:nvSpPr>
-          <p:cNvPr id="126" name="Google Shape;126;g21346d457b4_0_8:notes"/>
+          <p:cNvPr id="127" name="Google Shape;127;g21346d457b4_0_8:notes"/>
           <p:cNvSpPr txBox="1"/>
           <p:nvPr>
             <p:ph idx="1" type="body"/>
@@ -2503,7 +2603,7 @@
   <p:cSld>
     <p:spTree>
       <p:nvGrpSpPr>
-        <p:cNvPr id="134" name="Shape 134"/>
+        <p:cNvPr id="135" name="Shape 135"/>
         <p:cNvGrpSpPr/>
         <p:nvPr/>
       </p:nvGrpSpPr>
@@ -2517,7 +2617,7 @@
       </p:grpSpPr>
       <p:sp>
         <p:nvSpPr>
-          <p:cNvPr id="135" name="Google Shape;135;g21346d457b4_1_24:notes"/>
+          <p:cNvPr id="136" name="Google Shape;136;g21346d457b4_1_24:notes"/>
           <p:cNvSpPr/>
           <p:nvPr>
             <p:ph idx="2" type="sldImg"/>
@@ -2552,7 +2652,7 @@
       </p:sp>
       <p:sp>
         <p:nvSpPr>
-          <p:cNvPr id="136" name="Google Shape;136;g21346d457b4_1_24:notes"/>
+          <p:cNvPr id="137" name="Google Shape;137;g21346d457b4_1_24:notes"/>
           <p:cNvSpPr txBox="1"/>
           <p:nvPr>
             <p:ph idx="1" type="body"/>
@@ -2602,7 +2702,7 @@
   <p:cSld>
     <p:spTree>
       <p:nvGrpSpPr>
-        <p:cNvPr id="140" name="Shape 140"/>
+        <p:cNvPr id="141" name="Shape 141"/>
         <p:cNvGrpSpPr/>
         <p:nvPr/>
       </p:nvGrpSpPr>
@@ -2616,7 +2716,7 @@
       </p:grpSpPr>
       <p:sp>
         <p:nvSpPr>
-          <p:cNvPr id="141" name="Google Shape;141;g2125442377f_0_15:notes"/>
+          <p:cNvPr id="142" name="Google Shape;142;g1ddd7e0360f_2_0:notes"/>
           <p:cNvSpPr/>
           <p:nvPr>
             <p:ph idx="2" type="sldImg"/>
@@ -2651,7 +2751,7 @@
       </p:sp>
       <p:sp>
         <p:nvSpPr>
-          <p:cNvPr id="142" name="Google Shape;142;g2125442377f_0_15:notes"/>
+          <p:cNvPr id="143" name="Google Shape;143;g1ddd7e0360f_2_0:notes"/>
           <p:cNvSpPr txBox="1"/>
           <p:nvPr>
             <p:ph idx="1" type="body"/>
@@ -9323,7 +9423,7 @@
         </p:nvSpPr>
         <p:spPr>
           <a:xfrm>
-            <a:off x="598100" y="1775222"/>
+            <a:off x="921900" y="467897"/>
             <a:ext cx="8222100" cy="838800"/>
           </a:xfrm>
           <a:prstGeom prst="rect">
@@ -9363,8 +9463,8 @@
         </p:nvSpPr>
         <p:spPr>
           <a:xfrm>
-            <a:off x="1515450" y="3413150"/>
-            <a:ext cx="6155700" cy="522600"/>
+            <a:off x="2466725" y="3113950"/>
+            <a:ext cx="6393900" cy="500400"/>
           </a:xfrm>
           <a:prstGeom prst="rect">
             <a:avLst/>
@@ -9372,7 +9472,7 @@
         </p:spPr>
         <p:txBody>
           <a:bodyPr anchorCtr="0" anchor="t" bIns="91425" lIns="91425" spcFirstLastPara="1" rIns="91425" wrap="square" tIns="91425">
-            <a:normAutofit fontScale="62500" lnSpcReduction="20000"/>
+            <a:normAutofit fontScale="62500"/>
           </a:bodyPr>
           <a:lstStyle/>
           <a:p>
@@ -9398,6 +9498,88 @@
               <a:t>Gabriel Frazer, Nadia Choudhury</a:t>
             </a:r>
             <a:endParaRPr/>
+          </a:p>
+        </p:txBody>
+      </p:sp>
+      <p:sp>
+        <p:nvSpPr>
+          <p:cNvPr id="87" name="Google Shape;87;p13"/>
+          <p:cNvSpPr txBox="1"/>
+          <p:nvPr/>
+        </p:nvSpPr>
+        <p:spPr>
+          <a:xfrm>
+            <a:off x="968950" y="1753050"/>
+            <a:ext cx="6747600" cy="400200"/>
+          </a:xfrm>
+          <a:prstGeom prst="rect">
+            <a:avLst/>
+          </a:prstGeom>
+          <a:noFill/>
+          <a:ln>
+            <a:noFill/>
+          </a:ln>
+        </p:spPr>
+        <p:txBody>
+          <a:bodyPr anchorCtr="0" anchor="t" bIns="91425" lIns="91425" spcFirstLastPara="1" rIns="91425" wrap="square" tIns="91425">
+            <a:spAutoFit/>
+          </a:bodyPr>
+          <a:lstStyle/>
+          <a:p>
+            <a:pPr indent="0" lvl="0" marL="0" rtl="0" algn="l">
+              <a:spcBef>
+                <a:spcPts val="0"/>
+              </a:spcBef>
+              <a:spcAft>
+                <a:spcPts val="0"/>
+              </a:spcAft>
+              <a:buNone/>
+            </a:pPr>
+            <a:r>
+              <a:rPr lang="en-GB">
+                <a:solidFill>
+                  <a:schemeClr val="lt1"/>
+                </a:solidFill>
+                <a:latin typeface="Roboto"/>
+                <a:ea typeface="Roboto"/>
+                <a:cs typeface="Roboto"/>
+                <a:sym typeface="Roboto"/>
+              </a:rPr>
+              <a:t>BIO727P </a:t>
+            </a:r>
+            <a:r>
+              <a:rPr lang="en-GB">
+                <a:solidFill>
+                  <a:schemeClr val="lt1"/>
+                </a:solidFill>
+                <a:latin typeface="Roboto"/>
+                <a:ea typeface="Roboto"/>
+                <a:cs typeface="Roboto"/>
+                <a:sym typeface="Roboto"/>
+              </a:rPr>
+              <a:t>– </a:t>
+            </a:r>
+            <a:r>
+              <a:rPr lang="en-GB">
+                <a:solidFill>
+                  <a:schemeClr val="lt1"/>
+                </a:solidFill>
+                <a:latin typeface="Roboto"/>
+                <a:ea typeface="Roboto"/>
+                <a:cs typeface="Roboto"/>
+                <a:sym typeface="Roboto"/>
+              </a:rPr>
+              <a:t>Software Development Group Project for MSc. Bioinformatics</a:t>
+            </a:r>
+            <a:endParaRPr>
+              <a:solidFill>
+                <a:schemeClr val="lt1"/>
+              </a:solidFill>
+              <a:latin typeface="Roboto"/>
+              <a:ea typeface="Roboto"/>
+              <a:cs typeface="Roboto"/>
+              <a:sym typeface="Roboto"/>
+            </a:endParaRPr>
           </a:p>
         </p:txBody>
       </p:sp>
@@ -9426,7 +9608,7 @@
   <p:cSld>
     <p:spTree>
       <p:nvGrpSpPr>
-        <p:cNvPr id="149" name="Shape 149"/>
+        <p:cNvPr id="152" name="Shape 152"/>
         <p:cNvGrpSpPr/>
         <p:nvPr/>
       </p:nvGrpSpPr>
@@ -9438,9 +9620,49 @@
           <a:chExt cx="0" cy="0"/>
         </a:xfrm>
       </p:grpSpPr>
+      <p:sp>
+        <p:nvSpPr>
+          <p:cNvPr id="153" name="Google Shape;153;p22"/>
+          <p:cNvSpPr txBox="1"/>
+          <p:nvPr>
+            <p:ph type="title"/>
+          </p:nvPr>
+        </p:nvSpPr>
+        <p:spPr>
+          <a:xfrm>
+            <a:off x="819150" y="1004575"/>
+            <a:ext cx="7505700" cy="544200"/>
+          </a:xfrm>
+          <a:prstGeom prst="rect">
+            <a:avLst/>
+          </a:prstGeom>
+        </p:spPr>
+        <p:txBody>
+          <a:bodyPr anchorCtr="0" anchor="t" bIns="91425" lIns="91425" spcFirstLastPara="1" rIns="91425" wrap="square" tIns="91425">
+            <a:normAutofit fontScale="90000"/>
+          </a:bodyPr>
+          <a:lstStyle/>
+          <a:p>
+            <a:pPr indent="0" lvl="0" marL="0" rtl="0" algn="l">
+              <a:spcBef>
+                <a:spcPts val="0"/>
+              </a:spcBef>
+              <a:spcAft>
+                <a:spcPts val="0"/>
+              </a:spcAft>
+              <a:buNone/>
+            </a:pPr>
+            <a:r>
+              <a:rPr lang="en-GB"/>
+              <a:t>Linkage Disequilibrium</a:t>
+            </a:r>
+            <a:endParaRPr/>
+          </a:p>
+        </p:txBody>
+      </p:sp>
       <p:pic>
         <p:nvPicPr>
-          <p:cNvPr id="150" name="Google Shape;150;p22"/>
+          <p:cNvPr id="154" name="Google Shape;154;p22"/>
           <p:cNvPicPr preferRelativeResize="0"/>
           <p:nvPr/>
         </p:nvPicPr>
@@ -9454,8 +9676,8 @@
         </p:blipFill>
         <p:spPr>
           <a:xfrm>
-            <a:off x="200600" y="536863"/>
-            <a:ext cx="8742800" cy="4069776"/>
+            <a:off x="671350" y="1770800"/>
+            <a:ext cx="7801277" cy="2594800"/>
           </a:xfrm>
           <a:prstGeom prst="rect">
             <a:avLst/>
@@ -9479,7 +9701,7 @@
   <p:cSld>
     <p:spTree>
       <p:nvGrpSpPr>
-        <p:cNvPr id="154" name="Shape 154"/>
+        <p:cNvPr id="158" name="Shape 158"/>
         <p:cNvGrpSpPr/>
         <p:nvPr/>
       </p:nvGrpSpPr>
@@ -9493,7 +9715,7 @@
       </p:grpSpPr>
       <p:pic>
         <p:nvPicPr>
-          <p:cNvPr id="155" name="Google Shape;155;p23"/>
+          <p:cNvPr id="159" name="Google Shape;159;p23"/>
           <p:cNvPicPr preferRelativeResize="0"/>
           <p:nvPr/>
         </p:nvPicPr>
@@ -9507,8 +9729,8 @@
         </p:blipFill>
         <p:spPr>
           <a:xfrm>
-            <a:off x="233213" y="1253263"/>
-            <a:ext cx="8677575" cy="2636975"/>
+            <a:off x="200600" y="536863"/>
+            <a:ext cx="8742800" cy="4069776"/>
           </a:xfrm>
           <a:prstGeom prst="rect">
             <a:avLst/>
@@ -9532,7 +9754,7 @@
   <p:cSld>
     <p:spTree>
       <p:nvGrpSpPr>
-        <p:cNvPr id="159" name="Shape 159"/>
+        <p:cNvPr id="163" name="Shape 163"/>
         <p:cNvGrpSpPr/>
         <p:nvPr/>
       </p:nvGrpSpPr>
@@ -9546,7 +9768,7 @@
       </p:grpSpPr>
       <p:pic>
         <p:nvPicPr>
-          <p:cNvPr id="160" name="Google Shape;160;p24"/>
+          <p:cNvPr id="164" name="Google Shape;164;p24"/>
           <p:cNvPicPr preferRelativeResize="0"/>
           <p:nvPr/>
         </p:nvPicPr>
@@ -9560,8 +9782,8 @@
         </p:blipFill>
         <p:spPr>
           <a:xfrm>
-            <a:off x="1598575" y="406325"/>
-            <a:ext cx="5946850" cy="4330849"/>
+            <a:off x="233213" y="1253263"/>
+            <a:ext cx="8677575" cy="2636975"/>
           </a:xfrm>
           <a:prstGeom prst="rect">
             <a:avLst/>
@@ -9585,7 +9807,7 @@
   <p:cSld>
     <p:spTree>
       <p:nvGrpSpPr>
-        <p:cNvPr id="164" name="Shape 164"/>
+        <p:cNvPr id="168" name="Shape 168"/>
         <p:cNvGrpSpPr/>
         <p:nvPr/>
       </p:nvGrpSpPr>
@@ -9599,7 +9821,7 @@
       </p:grpSpPr>
       <p:pic>
         <p:nvPicPr>
-          <p:cNvPr id="165" name="Google Shape;165;p25"/>
+          <p:cNvPr id="169" name="Google Shape;169;p25"/>
           <p:cNvPicPr preferRelativeResize="0"/>
           <p:nvPr/>
         </p:nvPicPr>
@@ -9613,8 +9835,8 @@
         </p:blipFill>
         <p:spPr>
           <a:xfrm>
-            <a:off x="382838" y="1286225"/>
-            <a:ext cx="8378324" cy="2571050"/>
+            <a:off x="1598575" y="406325"/>
+            <a:ext cx="5946850" cy="4330849"/>
           </a:xfrm>
           <a:prstGeom prst="rect">
             <a:avLst/>
@@ -9638,7 +9860,7 @@
   <p:cSld>
     <p:spTree>
       <p:nvGrpSpPr>
-        <p:cNvPr id="169" name="Shape 169"/>
+        <p:cNvPr id="173" name="Shape 173"/>
         <p:cNvGrpSpPr/>
         <p:nvPr/>
       </p:nvGrpSpPr>
@@ -9652,7 +9874,7 @@
       </p:grpSpPr>
       <p:pic>
         <p:nvPicPr>
-          <p:cNvPr id="170" name="Google Shape;170;p26"/>
+          <p:cNvPr id="174" name="Google Shape;174;p26"/>
           <p:cNvPicPr preferRelativeResize="0"/>
           <p:nvPr/>
         </p:nvPicPr>
@@ -9666,8 +9888,8 @@
         </p:blipFill>
         <p:spPr>
           <a:xfrm>
-            <a:off x="434275" y="792225"/>
-            <a:ext cx="8275450" cy="3559051"/>
+            <a:off x="382838" y="1286225"/>
+            <a:ext cx="8378324" cy="2571050"/>
           </a:xfrm>
           <a:prstGeom prst="rect">
             <a:avLst/>
@@ -9691,7 +9913,7 @@
   <p:cSld>
     <p:spTree>
       <p:nvGrpSpPr>
-        <p:cNvPr id="174" name="Shape 174"/>
+        <p:cNvPr id="178" name="Shape 178"/>
         <p:cNvGrpSpPr/>
         <p:nvPr/>
       </p:nvGrpSpPr>
@@ -9705,7 +9927,60 @@
       </p:grpSpPr>
       <p:pic>
         <p:nvPicPr>
-          <p:cNvPr id="175" name="Google Shape;175;p27"/>
+          <p:cNvPr id="179" name="Google Shape;179;p27"/>
+          <p:cNvPicPr preferRelativeResize="0"/>
+          <p:nvPr/>
+        </p:nvPicPr>
+        <p:blipFill>
+          <a:blip r:embed="rId3">
+            <a:alphaModFix/>
+          </a:blip>
+          <a:stretch>
+            <a:fillRect/>
+          </a:stretch>
+        </p:blipFill>
+        <p:spPr>
+          <a:xfrm>
+            <a:off x="434275" y="792225"/>
+            <a:ext cx="8275450" cy="3559051"/>
+          </a:xfrm>
+          <a:prstGeom prst="rect">
+            <a:avLst/>
+          </a:prstGeom>
+          <a:noFill/>
+          <a:ln>
+            <a:noFill/>
+          </a:ln>
+        </p:spPr>
+      </p:pic>
+    </p:spTree>
+  </p:cSld>
+  <p:clrMapOvr>
+    <a:masterClrMapping/>
+  </p:clrMapOvr>
+</p:sld>
+</file>
+
+<file path=ppt/slides/slide16.xml><?xml version="1.0" encoding="utf-8"?>
+<p:sld xmlns:a="http://schemas.openxmlformats.org/drawingml/2006/main" xmlns:r="http://schemas.openxmlformats.org/officeDocument/2006/relationships" xmlns:mc="http://schemas.openxmlformats.org/markup-compatibility/2006" xmlns:mv="urn:schemas-microsoft-com:mac:vml" xmlns:p="http://schemas.openxmlformats.org/presentationml/2006/main" xmlns:c="http://schemas.openxmlformats.org/drawingml/2006/chart" xmlns:dgm="http://schemas.openxmlformats.org/drawingml/2006/diagram" xmlns:o="urn:schemas-microsoft-com:office:office" xmlns:v="urn:schemas-microsoft-com:vml" xmlns:pvml="urn:schemas-microsoft-com:office:powerpoint" xmlns:com="http://schemas.openxmlformats.org/drawingml/2006/compatibility" xmlns:p14="http://schemas.microsoft.com/office/powerpoint/2010/main" xmlns:p15="http://schemas.microsoft.com/office/powerpoint/2012/main" xmlns:ahyp="http://schemas.microsoft.com/office/drawing/2018/hyperlinkcolor">
+  <p:cSld>
+    <p:spTree>
+      <p:nvGrpSpPr>
+        <p:cNvPr id="183" name="Shape 183"/>
+        <p:cNvGrpSpPr/>
+        <p:nvPr/>
+      </p:nvGrpSpPr>
+      <p:grpSpPr>
+        <a:xfrm>
+          <a:off x="0" y="0"/>
+          <a:ext cx="0" cy="0"/>
+          <a:chOff x="0" y="0"/>
+          <a:chExt cx="0" cy="0"/>
+        </a:xfrm>
+      </p:grpSpPr>
+      <p:pic>
+        <p:nvPicPr>
+          <p:cNvPr id="184" name="Google Shape;184;p28"/>
           <p:cNvPicPr preferRelativeResize="0"/>
           <p:nvPr/>
         </p:nvPicPr>
@@ -9732,7 +10007,7 @@
       </p:pic>
       <p:sp>
         <p:nvSpPr>
-          <p:cNvPr id="176" name="Google Shape;176;p27"/>
+          <p:cNvPr id="185" name="Google Shape;185;p28"/>
           <p:cNvSpPr txBox="1"/>
           <p:nvPr>
             <p:ph type="title"/>
@@ -9772,7 +10047,7 @@
       </p:sp>
       <p:sp>
         <p:nvSpPr>
-          <p:cNvPr id="177" name="Google Shape;177;p27"/>
+          <p:cNvPr id="186" name="Google Shape;186;p28"/>
           <p:cNvSpPr txBox="1"/>
           <p:nvPr/>
         </p:nvSpPr>
@@ -9824,9 +10099,9 @@
       </p:sp>
       <p:cxnSp>
         <p:nvCxnSpPr>
-          <p:cNvPr id="178" name="Google Shape;178;p27"/>
+          <p:cNvPr id="187" name="Google Shape;187;p28"/>
           <p:cNvCxnSpPr>
-            <a:stCxn id="177" idx="1"/>
+            <a:stCxn id="186" idx="1"/>
           </p:cNvCxnSpPr>
           <p:nvPr/>
         </p:nvCxnSpPr>
@@ -9852,9 +10127,9 @@
       </p:cxnSp>
       <p:cxnSp>
         <p:nvCxnSpPr>
-          <p:cNvPr id="179" name="Google Shape;179;p27"/>
+          <p:cNvPr id="188" name="Google Shape;188;p28"/>
           <p:cNvCxnSpPr>
-            <a:stCxn id="180" idx="1"/>
+            <a:stCxn id="189" idx="1"/>
           </p:cNvCxnSpPr>
           <p:nvPr/>
         </p:nvCxnSpPr>
@@ -9880,7 +10155,7 @@
       </p:cxnSp>
       <p:sp>
         <p:nvSpPr>
-          <p:cNvPr id="180" name="Google Shape;180;p27"/>
+          <p:cNvPr id="189" name="Google Shape;189;p28"/>
           <p:cNvSpPr txBox="1"/>
           <p:nvPr/>
         </p:nvSpPr>
@@ -9932,7 +10207,7 @@
       </p:sp>
       <p:sp>
         <p:nvSpPr>
-          <p:cNvPr id="181" name="Google Shape;181;p27"/>
+          <p:cNvPr id="190" name="Google Shape;190;p28"/>
           <p:cNvSpPr txBox="1"/>
           <p:nvPr/>
         </p:nvSpPr>
@@ -9984,9 +10259,9 @@
       </p:sp>
       <p:cxnSp>
         <p:nvCxnSpPr>
-          <p:cNvPr id="182" name="Google Shape;182;p27"/>
+          <p:cNvPr id="191" name="Google Shape;191;p28"/>
           <p:cNvCxnSpPr>
-            <a:stCxn id="181" idx="3"/>
+            <a:stCxn id="190" idx="3"/>
           </p:cNvCxnSpPr>
           <p:nvPr/>
         </p:nvCxnSpPr>
@@ -10018,12 +10293,12 @@
 </p:sld>
 </file>
 
-<file path=ppt/slides/slide16.xml><?xml version="1.0" encoding="utf-8"?>
+<file path=ppt/slides/slide17.xml><?xml version="1.0" encoding="utf-8"?>
 <p:sld xmlns:a="http://schemas.openxmlformats.org/drawingml/2006/main" xmlns:r="http://schemas.openxmlformats.org/officeDocument/2006/relationships" xmlns:mc="http://schemas.openxmlformats.org/markup-compatibility/2006" xmlns:mv="urn:schemas-microsoft-com:mac:vml" xmlns:p="http://schemas.openxmlformats.org/presentationml/2006/main" xmlns:c="http://schemas.openxmlformats.org/drawingml/2006/chart" xmlns:dgm="http://schemas.openxmlformats.org/drawingml/2006/diagram" xmlns:o="urn:schemas-microsoft-com:office:office" xmlns:v="urn:schemas-microsoft-com:vml" xmlns:pvml="urn:schemas-microsoft-com:office:powerpoint" xmlns:com="http://schemas.openxmlformats.org/drawingml/2006/compatibility" xmlns:p14="http://schemas.microsoft.com/office/powerpoint/2010/main" xmlns:p15="http://schemas.microsoft.com/office/powerpoint/2012/main" xmlns:ahyp="http://schemas.microsoft.com/office/drawing/2018/hyperlinkcolor">
   <p:cSld>
     <p:spTree>
       <p:nvGrpSpPr>
-        <p:cNvPr id="186" name="Shape 186"/>
+        <p:cNvPr id="195" name="Shape 195"/>
         <p:cNvGrpSpPr/>
         <p:nvPr/>
       </p:nvGrpSpPr>
@@ -10037,7 +10312,7 @@
       </p:grpSpPr>
       <p:sp>
         <p:nvSpPr>
-          <p:cNvPr id="187" name="Google Shape;187;p28"/>
+          <p:cNvPr id="196" name="Google Shape;196;p29"/>
           <p:cNvSpPr txBox="1"/>
           <p:nvPr>
             <p:ph type="title"/>
@@ -10077,7 +10352,7 @@
       </p:sp>
       <p:sp>
         <p:nvSpPr>
-          <p:cNvPr id="188" name="Google Shape;188;p28"/>
+          <p:cNvPr id="197" name="Google Shape;197;p29"/>
           <p:cNvSpPr txBox="1"/>
           <p:nvPr>
             <p:ph idx="1" type="body"/>
@@ -10113,7 +10388,7 @@
                   <a:srgbClr val="0B5394"/>
                 </a:solidFill>
               </a:rPr>
-              <a:t>Adding cumulative position and -log p columns using pandas</a:t>
+              <a:t>Adding cumulative position and -log p columns </a:t>
             </a:r>
             <a:endParaRPr>
               <a:solidFill>
@@ -10125,22 +10400,21 @@
       </p:sp>
       <p:pic>
         <p:nvPicPr>
-          <p:cNvPr id="189" name="Google Shape;189;p28"/>
+          <p:cNvPr id="198" name="Google Shape;198;p29"/>
           <p:cNvPicPr preferRelativeResize="0"/>
           <p:nvPr/>
         </p:nvPicPr>
-        <p:blipFill>
+        <p:blipFill rotWithShape="1">
           <a:blip r:embed="rId3">
             <a:alphaModFix/>
           </a:blip>
-          <a:stretch>
-            <a:fillRect/>
-          </a:stretch>
+          <a:srcRect b="32884" l="20101" r="29733" t="24885"/>
+          <a:stretch/>
         </p:blipFill>
         <p:spPr>
           <a:xfrm>
-            <a:off x="1085025" y="1648925"/>
-            <a:ext cx="6430545" cy="3038499"/>
+            <a:off x="1002150" y="1558975"/>
+            <a:ext cx="6740825" cy="3191850"/>
           </a:xfrm>
           <a:prstGeom prst="rect">
             <a:avLst/>
@@ -10159,12 +10433,12 @@
 </p:sld>
 </file>
 
-<file path=ppt/slides/slide17.xml><?xml version="1.0" encoding="utf-8"?>
+<file path=ppt/slides/slide18.xml><?xml version="1.0" encoding="utf-8"?>
 <p:sld xmlns:a="http://schemas.openxmlformats.org/drawingml/2006/main" xmlns:r="http://schemas.openxmlformats.org/officeDocument/2006/relationships" xmlns:mc="http://schemas.openxmlformats.org/markup-compatibility/2006" xmlns:mv="urn:schemas-microsoft-com:mac:vml" xmlns:p="http://schemas.openxmlformats.org/presentationml/2006/main" xmlns:c="http://schemas.openxmlformats.org/drawingml/2006/chart" xmlns:dgm="http://schemas.openxmlformats.org/drawingml/2006/diagram" xmlns:o="urn:schemas-microsoft-com:office:office" xmlns:v="urn:schemas-microsoft-com:vml" xmlns:pvml="urn:schemas-microsoft-com:office:powerpoint" xmlns:com="http://schemas.openxmlformats.org/drawingml/2006/compatibility" xmlns:p14="http://schemas.microsoft.com/office/powerpoint/2010/main" xmlns:p15="http://schemas.microsoft.com/office/powerpoint/2012/main" xmlns:ahyp="http://schemas.microsoft.com/office/drawing/2018/hyperlinkcolor">
   <p:cSld>
     <p:spTree>
       <p:nvGrpSpPr>
-        <p:cNvPr id="193" name="Shape 193"/>
+        <p:cNvPr id="202" name="Shape 202"/>
         <p:cNvGrpSpPr/>
         <p:nvPr/>
       </p:nvGrpSpPr>
@@ -10176,9 +10450,36 @@
           <a:chExt cx="0" cy="0"/>
         </a:xfrm>
       </p:grpSpPr>
+      <p:pic>
+        <p:nvPicPr>
+          <p:cNvPr id="203" name="Google Shape;203;p30"/>
+          <p:cNvPicPr preferRelativeResize="0"/>
+          <p:nvPr/>
+        </p:nvPicPr>
+        <p:blipFill rotWithShape="1">
+          <a:blip r:embed="rId3">
+            <a:alphaModFix/>
+          </a:blip>
+          <a:srcRect b="390" l="0" r="0" t="-390"/>
+          <a:stretch/>
+        </p:blipFill>
+        <p:spPr>
+          <a:xfrm>
+            <a:off x="152400" y="1190745"/>
+            <a:ext cx="6844124" cy="3876555"/>
+          </a:xfrm>
+          <a:prstGeom prst="rect">
+            <a:avLst/>
+          </a:prstGeom>
+          <a:noFill/>
+          <a:ln>
+            <a:noFill/>
+          </a:ln>
+        </p:spPr>
+      </p:pic>
       <p:sp>
         <p:nvSpPr>
-          <p:cNvPr id="194" name="Google Shape;194;p29"/>
+          <p:cNvPr id="204" name="Google Shape;204;p30"/>
           <p:cNvSpPr txBox="1"/>
           <p:nvPr/>
         </p:nvSpPr>
@@ -10789,7 +11090,7 @@
       </p:sp>
       <p:sp>
         <p:nvSpPr>
-          <p:cNvPr id="195" name="Google Shape;195;p29"/>
+          <p:cNvPr id="205" name="Google Shape;205;p30"/>
           <p:cNvSpPr txBox="1"/>
           <p:nvPr/>
         </p:nvSpPr>
@@ -10845,43 +11146,15 @@
           </a:p>
         </p:txBody>
       </p:sp>
-      <p:pic>
-        <p:nvPicPr>
-          <p:cNvPr id="196" name="Google Shape;196;p29"/>
-          <p:cNvPicPr preferRelativeResize="0"/>
-          <p:nvPr/>
-        </p:nvPicPr>
-        <p:blipFill>
-          <a:blip r:embed="rId3">
-            <a:alphaModFix/>
-          </a:blip>
-          <a:stretch>
-            <a:fillRect/>
-          </a:stretch>
-        </p:blipFill>
-        <p:spPr>
-          <a:xfrm>
-            <a:off x="572350" y="1284250"/>
-            <a:ext cx="6435502" cy="3619976"/>
-          </a:xfrm>
-          <a:prstGeom prst="rect">
-            <a:avLst/>
-          </a:prstGeom>
-          <a:noFill/>
-          <a:ln>
-            <a:noFill/>
-          </a:ln>
-        </p:spPr>
-      </p:pic>
       <p:sp>
         <p:nvSpPr>
-          <p:cNvPr id="197" name="Google Shape;197;p29"/>
+          <p:cNvPr id="206" name="Google Shape;206;p30"/>
           <p:cNvSpPr txBox="1"/>
           <p:nvPr/>
         </p:nvSpPr>
         <p:spPr>
           <a:xfrm>
-            <a:off x="3095950" y="985025"/>
+            <a:off x="2999725" y="906300"/>
             <a:ext cx="1964100" cy="369300"/>
           </a:xfrm>
           <a:prstGeom prst="rect">
@@ -10933,14 +11206,14 @@
       </p:sp>
       <p:cxnSp>
         <p:nvCxnSpPr>
-          <p:cNvPr id="198" name="Google Shape;198;p29"/>
+          <p:cNvPr id="207" name="Google Shape;207;p30"/>
           <p:cNvCxnSpPr/>
           <p:nvPr/>
         </p:nvCxnSpPr>
         <p:spPr>
           <a:xfrm flipH="1">
-            <a:off x="6955550" y="1336775"/>
-            <a:ext cx="481500" cy="489600"/>
+            <a:off x="6972650" y="1336775"/>
+            <a:ext cx="464400" cy="354300"/>
           </a:xfrm>
           <a:prstGeom prst="straightConnector1">
             <a:avLst/>
@@ -10959,14 +11232,14 @@
       </p:cxnSp>
       <p:cxnSp>
         <p:nvCxnSpPr>
-          <p:cNvPr id="199" name="Google Shape;199;p29"/>
+          <p:cNvPr id="208" name="Google Shape;208;p30"/>
           <p:cNvCxnSpPr/>
           <p:nvPr/>
         </p:nvCxnSpPr>
         <p:spPr>
           <a:xfrm flipH="1">
-            <a:off x="6996525" y="1682825"/>
-            <a:ext cx="447300" cy="327600"/>
+            <a:off x="6963825" y="1682825"/>
+            <a:ext cx="480000" cy="270900"/>
           </a:xfrm>
           <a:prstGeom prst="straightConnector1">
             <a:avLst/>
@@ -10985,7 +11258,7 @@
       </p:cxnSp>
       <p:cxnSp>
         <p:nvCxnSpPr>
-          <p:cNvPr id="200" name="Google Shape;200;p29"/>
+          <p:cNvPr id="209" name="Google Shape;209;p30"/>
           <p:cNvCxnSpPr/>
           <p:nvPr/>
         </p:nvCxnSpPr>
@@ -11011,7 +11284,7 @@
       </p:cxnSp>
       <p:cxnSp>
         <p:nvCxnSpPr>
-          <p:cNvPr id="201" name="Google Shape;201;p29"/>
+          <p:cNvPr id="210" name="Google Shape;210;p30"/>
           <p:cNvCxnSpPr/>
           <p:nvPr/>
         </p:nvCxnSpPr>
@@ -11037,7 +11310,7 @@
       </p:cxnSp>
       <p:cxnSp>
         <p:nvCxnSpPr>
-          <p:cNvPr id="202" name="Google Shape;202;p29"/>
+          <p:cNvPr id="211" name="Google Shape;211;p30"/>
           <p:cNvCxnSpPr/>
           <p:nvPr/>
         </p:nvCxnSpPr>
@@ -11063,7 +11336,7 @@
       </p:cxnSp>
       <p:cxnSp>
         <p:nvCxnSpPr>
-          <p:cNvPr id="203" name="Google Shape;203;p29"/>
+          <p:cNvPr id="212" name="Google Shape;212;p30"/>
           <p:cNvCxnSpPr/>
           <p:nvPr/>
         </p:nvCxnSpPr>
@@ -11089,7 +11362,7 @@
       </p:cxnSp>
       <p:cxnSp>
         <p:nvCxnSpPr>
-          <p:cNvPr id="204" name="Google Shape;204;p29"/>
+          <p:cNvPr id="213" name="Google Shape;213;p30"/>
           <p:cNvCxnSpPr/>
           <p:nvPr/>
         </p:nvCxnSpPr>
@@ -11115,7 +11388,7 @@
       </p:cxnSp>
       <p:cxnSp>
         <p:nvCxnSpPr>
-          <p:cNvPr id="205" name="Google Shape;205;p29"/>
+          <p:cNvPr id="214" name="Google Shape;214;p30"/>
           <p:cNvCxnSpPr/>
           <p:nvPr/>
         </p:nvCxnSpPr>
@@ -11141,7 +11414,7 @@
       </p:cxnSp>
       <p:cxnSp>
         <p:nvCxnSpPr>
-          <p:cNvPr id="206" name="Google Shape;206;p29"/>
+          <p:cNvPr id="215" name="Google Shape;215;p30"/>
           <p:cNvCxnSpPr/>
           <p:nvPr/>
         </p:nvCxnSpPr>
@@ -11167,7 +11440,7 @@
       </p:cxnSp>
       <p:cxnSp>
         <p:nvCxnSpPr>
-          <p:cNvPr id="207" name="Google Shape;207;p29"/>
+          <p:cNvPr id="216" name="Google Shape;216;p30"/>
           <p:cNvCxnSpPr/>
           <p:nvPr/>
         </p:nvCxnSpPr>
@@ -11193,16 +11466,16 @@
       </p:cxnSp>
       <p:cxnSp>
         <p:nvCxnSpPr>
-          <p:cNvPr id="208" name="Google Shape;208;p29"/>
+          <p:cNvPr id="217" name="Google Shape;217;p30"/>
           <p:cNvCxnSpPr>
-            <a:stCxn id="197" idx="1"/>
+            <a:stCxn id="206" idx="1"/>
           </p:cNvCxnSpPr>
           <p:nvPr/>
         </p:nvCxnSpPr>
         <p:spPr>
           <a:xfrm flipH="1">
-            <a:off x="2543650" y="1169675"/>
-            <a:ext cx="552300" cy="178500"/>
+            <a:off x="2345425" y="1090950"/>
+            <a:ext cx="654300" cy="180300"/>
           </a:xfrm>
           <a:prstGeom prst="straightConnector1">
             <a:avLst/>
@@ -11227,12 +11500,12 @@
 </p:sld>
 </file>
 
-<file path=ppt/slides/slide18.xml><?xml version="1.0" encoding="utf-8"?>
+<file path=ppt/slides/slide19.xml><?xml version="1.0" encoding="utf-8"?>
 <p:sld xmlns:a="http://schemas.openxmlformats.org/drawingml/2006/main" xmlns:r="http://schemas.openxmlformats.org/officeDocument/2006/relationships" xmlns:mc="http://schemas.openxmlformats.org/markup-compatibility/2006" xmlns:mv="urn:schemas-microsoft-com:mac:vml" xmlns:p="http://schemas.openxmlformats.org/presentationml/2006/main" xmlns:c="http://schemas.openxmlformats.org/drawingml/2006/chart" xmlns:dgm="http://schemas.openxmlformats.org/drawingml/2006/diagram" xmlns:o="urn:schemas-microsoft-com:office:office" xmlns:v="urn:schemas-microsoft-com:vml" xmlns:pvml="urn:schemas-microsoft-com:office:powerpoint" xmlns:com="http://schemas.openxmlformats.org/drawingml/2006/compatibility" xmlns:p14="http://schemas.microsoft.com/office/powerpoint/2010/main" xmlns:p15="http://schemas.microsoft.com/office/powerpoint/2012/main" xmlns:ahyp="http://schemas.microsoft.com/office/drawing/2018/hyperlinkcolor">
   <p:cSld>
     <p:spTree>
       <p:nvGrpSpPr>
-        <p:cNvPr id="212" name="Shape 212"/>
+        <p:cNvPr id="221" name="Shape 221"/>
         <p:cNvGrpSpPr/>
         <p:nvPr/>
       </p:nvGrpSpPr>
@@ -11246,7 +11519,7 @@
       </p:grpSpPr>
       <p:sp>
         <p:nvSpPr>
-          <p:cNvPr id="213" name="Google Shape;213;p30"/>
+          <p:cNvPr id="222" name="Google Shape;222;p31"/>
           <p:cNvSpPr txBox="1"/>
           <p:nvPr>
             <p:ph type="title"/>
@@ -11286,7 +11559,7 @@
       </p:sp>
       <p:pic>
         <p:nvPicPr>
-          <p:cNvPr id="214" name="Google Shape;214;p30"/>
+          <p:cNvPr descr="bokeh_plot.png" id="223" name="Google Shape;223;p31"/>
           <p:cNvPicPr preferRelativeResize="0"/>
           <p:nvPr/>
         </p:nvPicPr>
@@ -11300,8 +11573,8 @@
         </p:blipFill>
         <p:spPr>
           <a:xfrm>
-            <a:off x="1140925" y="1017725"/>
-            <a:ext cx="7183923" cy="4058499"/>
+            <a:off x="702275" y="1017800"/>
+            <a:ext cx="6777925" cy="3830200"/>
           </a:xfrm>
           <a:prstGeom prst="rect">
             <a:avLst/>
@@ -11320,12 +11593,12 @@
 </p:sld>
 </file>
 
-<file path=ppt/slides/slide19.xml><?xml version="1.0" encoding="utf-8"?>
+<file path=ppt/slides/slide2.xml><?xml version="1.0" encoding="utf-8"?>
 <p:sld xmlns:a="http://schemas.openxmlformats.org/drawingml/2006/main" xmlns:r="http://schemas.openxmlformats.org/officeDocument/2006/relationships" xmlns:mc="http://schemas.openxmlformats.org/markup-compatibility/2006" xmlns:mv="urn:schemas-microsoft-com:mac:vml" xmlns:p="http://schemas.openxmlformats.org/presentationml/2006/main" xmlns:c="http://schemas.openxmlformats.org/drawingml/2006/chart" xmlns:dgm="http://schemas.openxmlformats.org/drawingml/2006/diagram" xmlns:o="urn:schemas-microsoft-com:office:office" xmlns:v="urn:schemas-microsoft-com:vml" xmlns:pvml="urn:schemas-microsoft-com:office:powerpoint" xmlns:com="http://schemas.openxmlformats.org/drawingml/2006/compatibility" xmlns:p14="http://schemas.microsoft.com/office/powerpoint/2010/main" xmlns:p15="http://schemas.microsoft.com/office/powerpoint/2012/main" xmlns:ahyp="http://schemas.microsoft.com/office/drawing/2018/hyperlinkcolor">
   <p:cSld>
     <p:spTree>
       <p:nvGrpSpPr>
-        <p:cNvPr id="218" name="Shape 218"/>
+        <p:cNvPr id="91" name="Shape 91"/>
         <p:cNvGrpSpPr/>
         <p:nvPr/>
       </p:nvGrpSpPr>
@@ -11339,7 +11612,99 @@
       </p:grpSpPr>
       <p:sp>
         <p:nvSpPr>
-          <p:cNvPr id="219" name="Google Shape;219;p31"/>
+          <p:cNvPr id="92" name="Google Shape;92;p14"/>
+          <p:cNvSpPr txBox="1"/>
+          <p:nvPr>
+            <p:ph type="title"/>
+          </p:nvPr>
+        </p:nvSpPr>
+        <p:spPr>
+          <a:xfrm>
+            <a:off x="819150" y="344050"/>
+            <a:ext cx="7505700" cy="954600"/>
+          </a:xfrm>
+          <a:prstGeom prst="rect">
+            <a:avLst/>
+          </a:prstGeom>
+        </p:spPr>
+        <p:txBody>
+          <a:bodyPr anchorCtr="0" anchor="t" bIns="91425" lIns="91425" spcFirstLastPara="1" rIns="91425" wrap="square" tIns="91425">
+            <a:normAutofit/>
+          </a:bodyPr>
+          <a:lstStyle/>
+          <a:p>
+            <a:pPr indent="0" lvl="0" marL="0" rtl="0" algn="l">
+              <a:spcBef>
+                <a:spcPts val="0"/>
+              </a:spcBef>
+              <a:spcAft>
+                <a:spcPts val="0"/>
+              </a:spcAft>
+              <a:buNone/>
+            </a:pPr>
+            <a:r>
+              <a:rPr lang="en-GB"/>
+              <a:t>Software Schematic</a:t>
+            </a:r>
+            <a:endParaRPr/>
+          </a:p>
+        </p:txBody>
+      </p:sp>
+      <p:pic>
+        <p:nvPicPr>
+          <p:cNvPr id="93" name="Google Shape;93;p14"/>
+          <p:cNvPicPr preferRelativeResize="0"/>
+          <p:nvPr/>
+        </p:nvPicPr>
+        <p:blipFill rotWithShape="1">
+          <a:blip r:embed="rId3">
+            <a:alphaModFix/>
+          </a:blip>
+          <a:srcRect b="3954" l="0" r="-3530" t="4074"/>
+          <a:stretch/>
+        </p:blipFill>
+        <p:spPr>
+          <a:xfrm>
+            <a:off x="1201250" y="893050"/>
+            <a:ext cx="6445250" cy="4023875"/>
+          </a:xfrm>
+          <a:prstGeom prst="rect">
+            <a:avLst/>
+          </a:prstGeom>
+          <a:noFill/>
+          <a:ln>
+            <a:noFill/>
+          </a:ln>
+        </p:spPr>
+      </p:pic>
+    </p:spTree>
+  </p:cSld>
+  <p:clrMapOvr>
+    <a:masterClrMapping/>
+  </p:clrMapOvr>
+</p:sld>
+</file>
+
+<file path=ppt/slides/slide20.xml><?xml version="1.0" encoding="utf-8"?>
+<p:sld xmlns:a="http://schemas.openxmlformats.org/drawingml/2006/main" xmlns:r="http://schemas.openxmlformats.org/officeDocument/2006/relationships" xmlns:mc="http://schemas.openxmlformats.org/markup-compatibility/2006" xmlns:mv="urn:schemas-microsoft-com:mac:vml" xmlns:p="http://schemas.openxmlformats.org/presentationml/2006/main" xmlns:c="http://schemas.openxmlformats.org/drawingml/2006/chart" xmlns:dgm="http://schemas.openxmlformats.org/drawingml/2006/diagram" xmlns:o="urn:schemas-microsoft-com:office:office" xmlns:v="urn:schemas-microsoft-com:vml" xmlns:pvml="urn:schemas-microsoft-com:office:powerpoint" xmlns:com="http://schemas.openxmlformats.org/drawingml/2006/compatibility" xmlns:p14="http://schemas.microsoft.com/office/powerpoint/2010/main" xmlns:p15="http://schemas.microsoft.com/office/powerpoint/2012/main" xmlns:ahyp="http://schemas.microsoft.com/office/drawing/2018/hyperlinkcolor">
+  <p:cSld>
+    <p:spTree>
+      <p:nvGrpSpPr>
+        <p:cNvPr id="227" name="Shape 227"/>
+        <p:cNvGrpSpPr/>
+        <p:nvPr/>
+      </p:nvGrpSpPr>
+      <p:grpSpPr>
+        <a:xfrm>
+          <a:off x="0" y="0"/>
+          <a:ext cx="0" cy="0"/>
+          <a:chOff x="0" y="0"/>
+          <a:chExt cx="0" cy="0"/>
+        </a:xfrm>
+      </p:grpSpPr>
+      <p:sp>
+        <p:nvSpPr>
+          <p:cNvPr id="228" name="Google Shape;228;p32"/>
           <p:cNvSpPr txBox="1"/>
           <p:nvPr>
             <p:ph type="title"/>
@@ -11379,7 +11744,7 @@
       </p:sp>
       <p:sp>
         <p:nvSpPr>
-          <p:cNvPr id="220" name="Google Shape;220;p31"/>
+          <p:cNvPr id="229" name="Google Shape;229;p32"/>
           <p:cNvSpPr txBox="1"/>
           <p:nvPr>
             <p:ph idx="1" type="body"/>
@@ -11615,12 +11980,12 @@
 </p:sld>
 </file>
 
-<file path=ppt/slides/slide2.xml><?xml version="1.0" encoding="utf-8"?>
+<file path=ppt/slides/slide21.xml><?xml version="1.0" encoding="utf-8"?>
 <p:sld xmlns:a="http://schemas.openxmlformats.org/drawingml/2006/main" xmlns:r="http://schemas.openxmlformats.org/officeDocument/2006/relationships" xmlns:mc="http://schemas.openxmlformats.org/markup-compatibility/2006" xmlns:mv="urn:schemas-microsoft-com:mac:vml" xmlns:p="http://schemas.openxmlformats.org/presentationml/2006/main" xmlns:c="http://schemas.openxmlformats.org/drawingml/2006/chart" xmlns:dgm="http://schemas.openxmlformats.org/drawingml/2006/diagram" xmlns:o="urn:schemas-microsoft-com:office:office" xmlns:v="urn:schemas-microsoft-com:vml" xmlns:pvml="urn:schemas-microsoft-com:office:powerpoint" xmlns:com="http://schemas.openxmlformats.org/drawingml/2006/compatibility" xmlns:p14="http://schemas.microsoft.com/office/powerpoint/2010/main" xmlns:p15="http://schemas.microsoft.com/office/powerpoint/2012/main" xmlns:ahyp="http://schemas.microsoft.com/office/drawing/2018/hyperlinkcolor">
   <p:cSld>
     <p:spTree>
       <p:nvGrpSpPr>
-        <p:cNvPr id="90" name="Shape 90"/>
+        <p:cNvPr id="233" name="Shape 233"/>
         <p:cNvGrpSpPr/>
         <p:nvPr/>
       </p:nvGrpSpPr>
@@ -11634,99 +11999,7 @@
       </p:grpSpPr>
       <p:sp>
         <p:nvSpPr>
-          <p:cNvPr id="91" name="Google Shape;91;p14"/>
-          <p:cNvSpPr txBox="1"/>
-          <p:nvPr>
-            <p:ph type="title"/>
-          </p:nvPr>
-        </p:nvSpPr>
-        <p:spPr>
-          <a:xfrm>
-            <a:off x="819150" y="344050"/>
-            <a:ext cx="7505700" cy="954600"/>
-          </a:xfrm>
-          <a:prstGeom prst="rect">
-            <a:avLst/>
-          </a:prstGeom>
-        </p:spPr>
-        <p:txBody>
-          <a:bodyPr anchorCtr="0" anchor="t" bIns="91425" lIns="91425" spcFirstLastPara="1" rIns="91425" wrap="square" tIns="91425">
-            <a:normAutofit/>
-          </a:bodyPr>
-          <a:lstStyle/>
-          <a:p>
-            <a:pPr indent="0" lvl="0" marL="0" rtl="0" algn="l">
-              <a:spcBef>
-                <a:spcPts val="0"/>
-              </a:spcBef>
-              <a:spcAft>
-                <a:spcPts val="0"/>
-              </a:spcAft>
-              <a:buNone/>
-            </a:pPr>
-            <a:r>
-              <a:rPr lang="en-GB"/>
-              <a:t>Software Schematic</a:t>
-            </a:r>
-            <a:endParaRPr/>
-          </a:p>
-        </p:txBody>
-      </p:sp>
-      <p:pic>
-        <p:nvPicPr>
-          <p:cNvPr id="92" name="Google Shape;92;p14"/>
-          <p:cNvPicPr preferRelativeResize="0"/>
-          <p:nvPr/>
-        </p:nvPicPr>
-        <p:blipFill rotWithShape="1">
-          <a:blip r:embed="rId3">
-            <a:alphaModFix/>
-          </a:blip>
-          <a:srcRect b="3954" l="0" r="-3530" t="4074"/>
-          <a:stretch/>
-        </p:blipFill>
-        <p:spPr>
-          <a:xfrm>
-            <a:off x="1201250" y="893050"/>
-            <a:ext cx="6445250" cy="4023875"/>
-          </a:xfrm>
-          <a:prstGeom prst="rect">
-            <a:avLst/>
-          </a:prstGeom>
-          <a:noFill/>
-          <a:ln>
-            <a:noFill/>
-          </a:ln>
-        </p:spPr>
-      </p:pic>
-    </p:spTree>
-  </p:cSld>
-  <p:clrMapOvr>
-    <a:masterClrMapping/>
-  </p:clrMapOvr>
-</p:sld>
-</file>
-
-<file path=ppt/slides/slide20.xml><?xml version="1.0" encoding="utf-8"?>
-<p:sld xmlns:a="http://schemas.openxmlformats.org/drawingml/2006/main" xmlns:r="http://schemas.openxmlformats.org/officeDocument/2006/relationships" xmlns:mc="http://schemas.openxmlformats.org/markup-compatibility/2006" xmlns:mv="urn:schemas-microsoft-com:mac:vml" xmlns:p="http://schemas.openxmlformats.org/presentationml/2006/main" xmlns:c="http://schemas.openxmlformats.org/drawingml/2006/chart" xmlns:dgm="http://schemas.openxmlformats.org/drawingml/2006/diagram" xmlns:o="urn:schemas-microsoft-com:office:office" xmlns:v="urn:schemas-microsoft-com:vml" xmlns:pvml="urn:schemas-microsoft-com:office:powerpoint" xmlns:com="http://schemas.openxmlformats.org/drawingml/2006/compatibility" xmlns:p14="http://schemas.microsoft.com/office/powerpoint/2010/main" xmlns:p15="http://schemas.microsoft.com/office/powerpoint/2012/main" xmlns:ahyp="http://schemas.microsoft.com/office/drawing/2018/hyperlinkcolor">
-  <p:cSld>
-    <p:spTree>
-      <p:nvGrpSpPr>
-        <p:cNvPr id="224" name="Shape 224"/>
-        <p:cNvGrpSpPr/>
-        <p:nvPr/>
-      </p:nvGrpSpPr>
-      <p:grpSpPr>
-        <a:xfrm>
-          <a:off x="0" y="0"/>
-          <a:ext cx="0" cy="0"/>
-          <a:chOff x="0" y="0"/>
-          <a:chExt cx="0" cy="0"/>
-        </a:xfrm>
-      </p:grpSpPr>
-      <p:sp>
-        <p:nvSpPr>
-          <p:cNvPr id="225" name="Google Shape;225;p32"/>
+          <p:cNvPr id="234" name="Google Shape;234;p33"/>
           <p:cNvSpPr txBox="1"/>
           <p:nvPr>
             <p:ph type="title"/>
@@ -11766,7 +12039,7 @@
       </p:sp>
       <p:sp>
         <p:nvSpPr>
-          <p:cNvPr id="226" name="Google Shape;226;p32"/>
+          <p:cNvPr id="235" name="Google Shape;235;p33"/>
           <p:cNvSpPr txBox="1"/>
           <p:nvPr>
             <p:ph idx="1" type="body"/>
@@ -11816,7 +12089,7 @@
   <p:cSld>
     <p:spTree>
       <p:nvGrpSpPr>
-        <p:cNvPr id="96" name="Shape 96"/>
+        <p:cNvPr id="97" name="Shape 97"/>
         <p:cNvGrpSpPr/>
         <p:nvPr/>
       </p:nvGrpSpPr>
@@ -11830,7 +12103,7 @@
       </p:grpSpPr>
       <p:sp>
         <p:nvSpPr>
-          <p:cNvPr id="97" name="Google Shape;97;p15"/>
+          <p:cNvPr id="98" name="Google Shape;98;p15"/>
           <p:cNvSpPr txBox="1"/>
           <p:nvPr>
             <p:ph type="title"/>
@@ -11838,7 +12111,7 @@
         </p:nvSpPr>
         <p:spPr>
           <a:xfrm>
-            <a:off x="776275" y="567000"/>
+            <a:off x="819150" y="545525"/>
             <a:ext cx="7505700" cy="954600"/>
           </a:xfrm>
           <a:prstGeom prst="rect">
@@ -11870,7 +12143,7 @@
       </p:sp>
       <p:sp>
         <p:nvSpPr>
-          <p:cNvPr id="98" name="Google Shape;98;p15"/>
+          <p:cNvPr id="99" name="Google Shape;99;p15"/>
           <p:cNvSpPr txBox="1"/>
           <p:nvPr>
             <p:ph idx="1" type="body"/>
@@ -12008,7 +12281,7 @@
             </a:pPr>
             <a:r>
               <a:rPr b="1" lang="en-GB"/>
-              <a:t>Italy(Toscani)</a:t>
+              <a:t>Italy (Toscani)</a:t>
             </a:r>
             <a:endParaRPr b="1"/>
           </a:p>
@@ -12083,7 +12356,7 @@
       </p:sp>
       <p:pic>
         <p:nvPicPr>
-          <p:cNvPr id="99" name="Google Shape;99;p15"/>
+          <p:cNvPr id="100" name="Google Shape;100;p15"/>
           <p:cNvPicPr preferRelativeResize="0"/>
           <p:nvPr/>
         </p:nvPicPr>
@@ -12111,13 +12384,13 @@
       </p:pic>
       <p:cxnSp>
         <p:nvCxnSpPr>
-          <p:cNvPr id="100" name="Google Shape;100;p15"/>
+          <p:cNvPr id="101" name="Google Shape;101;p15"/>
           <p:cNvCxnSpPr/>
           <p:nvPr/>
         </p:nvCxnSpPr>
         <p:spPr>
           <a:xfrm flipH="1" rot="10800000">
-            <a:off x="6833675" y="3103850"/>
+            <a:off x="6822950" y="3071725"/>
             <a:ext cx="364500" cy="117900"/>
           </a:xfrm>
           <a:prstGeom prst="straightConnector1">
@@ -12137,7 +12410,7 @@
       </p:cxnSp>
       <p:cxnSp>
         <p:nvCxnSpPr>
-          <p:cNvPr id="101" name="Google Shape;101;p15"/>
+          <p:cNvPr id="102" name="Google Shape;102;p15"/>
           <p:cNvCxnSpPr/>
           <p:nvPr/>
         </p:nvCxnSpPr>
@@ -12163,7 +12436,7 @@
       </p:cxnSp>
       <p:cxnSp>
         <p:nvCxnSpPr>
-          <p:cNvPr id="102" name="Google Shape;102;p15"/>
+          <p:cNvPr id="103" name="Google Shape;103;p15"/>
           <p:cNvCxnSpPr/>
           <p:nvPr/>
         </p:nvCxnSpPr>
@@ -12200,7 +12473,7 @@
   <p:cSld>
     <p:spTree>
       <p:nvGrpSpPr>
-        <p:cNvPr id="106" name="Shape 106"/>
+        <p:cNvPr id="107" name="Shape 107"/>
         <p:cNvGrpSpPr/>
         <p:nvPr/>
       </p:nvGrpSpPr>
@@ -12214,7 +12487,7 @@
       </p:grpSpPr>
       <p:sp>
         <p:nvSpPr>
-          <p:cNvPr id="107" name="Google Shape;107;p16"/>
+          <p:cNvPr id="108" name="Google Shape;108;p16"/>
           <p:cNvSpPr txBox="1"/>
           <p:nvPr>
             <p:ph type="title"/>
@@ -12262,7 +12535,7 @@
       </p:sp>
       <p:sp>
         <p:nvSpPr>
-          <p:cNvPr id="108" name="Google Shape;108;p16"/>
+          <p:cNvPr id="109" name="Google Shape;109;p16"/>
           <p:cNvSpPr txBox="1"/>
           <p:nvPr/>
         </p:nvSpPr>
@@ -12308,7 +12581,7 @@
       </p:sp>
       <p:pic>
         <p:nvPicPr>
-          <p:cNvPr id="109" name="Google Shape;109;p16"/>
+          <p:cNvPr id="110" name="Google Shape;110;p16"/>
           <p:cNvPicPr preferRelativeResize="0"/>
           <p:nvPr/>
         </p:nvPicPr>
@@ -12347,7 +12620,7 @@
   <p:cSld>
     <p:spTree>
       <p:nvGrpSpPr>
-        <p:cNvPr id="113" name="Shape 113"/>
+        <p:cNvPr id="114" name="Shape 114"/>
         <p:cNvGrpSpPr/>
         <p:nvPr/>
       </p:nvGrpSpPr>
@@ -12361,7 +12634,7 @@
       </p:grpSpPr>
       <p:sp>
         <p:nvSpPr>
-          <p:cNvPr id="114" name="Google Shape;114;p17"/>
+          <p:cNvPr id="115" name="Google Shape;115;p17"/>
           <p:cNvSpPr txBox="1"/>
           <p:nvPr>
             <p:ph type="title"/>
@@ -12401,7 +12674,7 @@
       </p:sp>
       <p:sp>
         <p:nvSpPr>
-          <p:cNvPr id="115" name="Google Shape;115;p17"/>
+          <p:cNvPr id="116" name="Google Shape;116;p17"/>
           <p:cNvSpPr txBox="1"/>
           <p:nvPr>
             <p:ph idx="1" type="body"/>
@@ -12470,7 +12743,7 @@
   <p:cSld>
     <p:spTree>
       <p:nvGrpSpPr>
-        <p:cNvPr id="119" name="Shape 119"/>
+        <p:cNvPr id="120" name="Shape 120"/>
         <p:cNvGrpSpPr/>
         <p:nvPr/>
       </p:nvGrpSpPr>
@@ -12484,7 +12757,7 @@
       </p:grpSpPr>
       <p:sp>
         <p:nvSpPr>
-          <p:cNvPr id="120" name="Google Shape;120;p18"/>
+          <p:cNvPr id="121" name="Google Shape;121;p18"/>
           <p:cNvSpPr txBox="1"/>
           <p:nvPr>
             <p:ph idx="1" type="body"/>
@@ -12555,7 +12828,7 @@
       </p:sp>
       <p:sp>
         <p:nvSpPr>
-          <p:cNvPr id="121" name="Google Shape;121;p18"/>
+          <p:cNvPr id="122" name="Google Shape;122;p18"/>
           <p:cNvSpPr txBox="1"/>
           <p:nvPr/>
         </p:nvSpPr>
@@ -12601,7 +12874,7 @@
       </p:sp>
       <p:pic>
         <p:nvPicPr>
-          <p:cNvPr id="122" name="Google Shape;122;p18"/>
+          <p:cNvPr id="123" name="Google Shape;123;p18"/>
           <p:cNvPicPr preferRelativeResize="0"/>
           <p:nvPr/>
         </p:nvPicPr>
@@ -12629,7 +12902,7 @@
       </p:pic>
       <p:sp>
         <p:nvSpPr>
-          <p:cNvPr id="123" name="Google Shape;123;p18"/>
+          <p:cNvPr id="124" name="Google Shape;124;p18"/>
           <p:cNvSpPr/>
           <p:nvPr/>
         </p:nvSpPr>
@@ -12689,7 +12962,7 @@
   <p:cSld>
     <p:spTree>
       <p:nvGrpSpPr>
-        <p:cNvPr id="127" name="Shape 127"/>
+        <p:cNvPr id="128" name="Shape 128"/>
         <p:cNvGrpSpPr/>
         <p:nvPr/>
       </p:nvGrpSpPr>
@@ -12703,7 +12976,7 @@
       </p:grpSpPr>
       <p:sp>
         <p:nvSpPr>
-          <p:cNvPr id="128" name="Google Shape;128;p19"/>
+          <p:cNvPr id="129" name="Google Shape;129;p19"/>
           <p:cNvSpPr txBox="1"/>
           <p:nvPr/>
         </p:nvSpPr>
@@ -12749,7 +13022,7 @@
       </p:sp>
       <p:pic>
         <p:nvPicPr>
-          <p:cNvPr id="129" name="Google Shape;129;p19"/>
+          <p:cNvPr id="130" name="Google Shape;130;p19"/>
           <p:cNvPicPr preferRelativeResize="0"/>
           <p:nvPr/>
         </p:nvPicPr>
@@ -12776,7 +13049,7 @@
       </p:pic>
       <p:pic>
         <p:nvPicPr>
-          <p:cNvPr id="130" name="Google Shape;130;p19"/>
+          <p:cNvPr id="131" name="Google Shape;131;p19"/>
           <p:cNvPicPr preferRelativeResize="0"/>
           <p:nvPr/>
         </p:nvPicPr>
@@ -12804,7 +13077,7 @@
       </p:pic>
       <p:sp>
         <p:nvSpPr>
-          <p:cNvPr id="131" name="Google Shape;131;p19"/>
+          <p:cNvPr id="132" name="Google Shape;132;p19"/>
           <p:cNvSpPr txBox="1"/>
           <p:nvPr/>
         </p:nvSpPr>
@@ -12874,7 +13147,7 @@
       </p:sp>
       <p:pic>
         <p:nvPicPr>
-          <p:cNvPr id="132" name="Google Shape;132;p19"/>
+          <p:cNvPr id="133" name="Google Shape;133;p19"/>
           <p:cNvPicPr preferRelativeResize="0"/>
           <p:nvPr/>
         </p:nvPicPr>
@@ -12902,7 +13175,7 @@
       </p:pic>
       <p:pic>
         <p:nvPicPr>
-          <p:cNvPr id="133" name="Google Shape;133;p19"/>
+          <p:cNvPr id="134" name="Google Shape;134;p19"/>
           <p:cNvPicPr preferRelativeResize="0"/>
           <p:nvPr/>
         </p:nvPicPr>
@@ -12940,7 +13213,7 @@
   <p:cSld>
     <p:spTree>
       <p:nvGrpSpPr>
-        <p:cNvPr id="137" name="Shape 137"/>
+        <p:cNvPr id="138" name="Shape 138"/>
         <p:cNvGrpSpPr/>
         <p:nvPr/>
       </p:nvGrpSpPr>
@@ -12954,7 +13227,7 @@
       </p:grpSpPr>
       <p:sp>
         <p:nvSpPr>
-          <p:cNvPr id="138" name="Google Shape;138;p20"/>
+          <p:cNvPr id="139" name="Google Shape;139;p20"/>
           <p:cNvSpPr txBox="1"/>
           <p:nvPr>
             <p:ph idx="1" type="body"/>
@@ -13025,7 +13298,7 @@
       </p:sp>
       <p:pic>
         <p:nvPicPr>
-          <p:cNvPr id="139" name="Google Shape;139;p20"/>
+          <p:cNvPr id="140" name="Google Shape;140;p20"/>
           <p:cNvPicPr preferRelativeResize="0"/>
           <p:nvPr/>
         </p:nvPicPr>
@@ -13064,7 +13337,7 @@
   <p:cSld>
     <p:spTree>
       <p:nvGrpSpPr>
-        <p:cNvPr id="143" name="Shape 143"/>
+        <p:cNvPr id="144" name="Shape 144"/>
         <p:cNvGrpSpPr/>
         <p:nvPr/>
       </p:nvGrpSpPr>
@@ -13076,46 +13349,6 @@
           <a:chExt cx="0" cy="0"/>
         </a:xfrm>
       </p:grpSpPr>
-      <p:sp>
-        <p:nvSpPr>
-          <p:cNvPr id="144" name="Google Shape;144;p21"/>
-          <p:cNvSpPr txBox="1"/>
-          <p:nvPr>
-            <p:ph type="title"/>
-          </p:nvPr>
-        </p:nvSpPr>
-        <p:spPr>
-          <a:xfrm>
-            <a:off x="819150" y="845600"/>
-            <a:ext cx="7505700" cy="544200"/>
-          </a:xfrm>
-          <a:prstGeom prst="rect">
-            <a:avLst/>
-          </a:prstGeom>
-        </p:spPr>
-        <p:txBody>
-          <a:bodyPr anchorCtr="0" anchor="t" bIns="91425" lIns="91425" spcFirstLastPara="1" rIns="91425" wrap="square" tIns="91425">
-            <a:normAutofit fontScale="90000"/>
-          </a:bodyPr>
-          <a:lstStyle/>
-          <a:p>
-            <a:pPr indent="0" lvl="0" marL="0" rtl="0" algn="l">
-              <a:spcBef>
-                <a:spcPts val="0"/>
-              </a:spcBef>
-              <a:spcAft>
-                <a:spcPts val="0"/>
-              </a:spcAft>
-              <a:buNone/>
-            </a:pPr>
-            <a:r>
-              <a:rPr lang="en-GB"/>
-              <a:t>Linkage Disequilibrium</a:t>
-            </a:r>
-            <a:endParaRPr/>
-          </a:p>
-        </p:txBody>
-      </p:sp>
       <p:pic>
         <p:nvPicPr>
           <p:cNvPr id="145" name="Google Shape;145;p21"/>
@@ -13132,8 +13365,8 @@
         </p:blipFill>
         <p:spPr>
           <a:xfrm>
-            <a:off x="671350" y="1770800"/>
-            <a:ext cx="7801277" cy="2594800"/>
+            <a:off x="528488" y="386125"/>
+            <a:ext cx="6543675" cy="3343275"/>
           </a:xfrm>
           <a:prstGeom prst="rect">
             <a:avLst/>
@@ -13144,6 +13377,86 @@
           </a:ln>
         </p:spPr>
       </p:pic>
+      <p:pic>
+        <p:nvPicPr>
+          <p:cNvPr id="146" name="Google Shape;146;p21"/>
+          <p:cNvPicPr preferRelativeResize="0"/>
+          <p:nvPr/>
+        </p:nvPicPr>
+        <p:blipFill>
+          <a:blip r:embed="rId4">
+            <a:alphaModFix/>
+          </a:blip>
+          <a:stretch>
+            <a:fillRect/>
+          </a:stretch>
+        </p:blipFill>
+        <p:spPr>
+          <a:xfrm>
+            <a:off x="4884685" y="1781336"/>
+            <a:ext cx="3658007" cy="2781933"/>
+          </a:xfrm>
+          <a:prstGeom prst="rect">
+            <a:avLst/>
+          </a:prstGeom>
+          <a:noFill/>
+          <a:ln>
+            <a:noFill/>
+          </a:ln>
+        </p:spPr>
+      </p:pic>
+      <p:cxnSp>
+        <p:nvCxnSpPr>
+          <p:cNvPr id="147" name="Google Shape;147;p21"/>
+          <p:cNvCxnSpPr/>
+          <p:nvPr/>
+        </p:nvCxnSpPr>
+        <p:spPr>
+          <a:xfrm flipH="1">
+            <a:off x="2470375" y="1692450"/>
+            <a:ext cx="2514300" cy="1203600"/>
+          </a:xfrm>
+          <a:prstGeom prst="straightConnector1">
+            <a:avLst/>
+          </a:prstGeom>
+          <a:noFill/>
+          <a:ln cap="flat" cmpd="sng" w="28575">
+            <a:solidFill>
+              <a:srgbClr val="FF0000"/>
+            </a:solidFill>
+            <a:prstDash val="solid"/>
+            <a:round/>
+            <a:headEnd len="med" w="med" type="none"/>
+            <a:tailEnd len="med" w="med" type="none"/>
+          </a:ln>
+        </p:spPr>
+      </p:cxnSp>
+      <p:cxnSp>
+        <p:nvCxnSpPr>
+          <p:cNvPr id="148" name="Google Shape;148;p21"/>
+          <p:cNvCxnSpPr/>
+          <p:nvPr/>
+        </p:nvCxnSpPr>
+        <p:spPr>
+          <a:xfrm>
+            <a:off x="2438100" y="3379425"/>
+            <a:ext cx="2450100" cy="1192500"/>
+          </a:xfrm>
+          <a:prstGeom prst="straightConnector1">
+            <a:avLst/>
+          </a:prstGeom>
+          <a:noFill/>
+          <a:ln cap="flat" cmpd="sng" w="28575">
+            <a:solidFill>
+              <a:srgbClr val="FF0000"/>
+            </a:solidFill>
+            <a:prstDash val="solid"/>
+            <a:round/>
+            <a:headEnd len="med" w="med" type="none"/>
+            <a:tailEnd len="med" w="med" type="none"/>
+          </a:ln>
+        </p:spPr>
+      </p:cxnSp>
     </p:spTree>
   </p:cSld>
   <p:clrMapOvr>
